--- a/Documentation/PVA-Powerpoint.pptx
+++ b/Documentation/PVA-Powerpoint.pptx
@@ -114,6 +114,11 @@
       </a:defRPr>
     </a:lvl9pPr>
   </p:defaultTextStyle>
+  <p:extLst>
+    <p:ext uri="{EFAFB233-063F-42B5-8137-9DF3F51BA10A}">
+      <p15:sldGuideLst xmlns:p15="http://schemas.microsoft.com/office/powerpoint/2012/main"/>
+    </p:ext>
+  </p:extLst>
 </p:presentation>
 </file>
 
@@ -161,7 +166,7 @@
           </a:lstStyle>
           <a:p>
             <a:r>
-              <a:rPr lang="de-DE" smtClean="0"/>
+              <a:rPr lang="de-DE"/>
               <a:t>Titelmasterformat durch Klicken bearbeiten</a:t>
             </a:r>
             <a:endParaRPr lang="en-US" dirty="0"/>
@@ -278,7 +283,7 @@
           </a:lstStyle>
           <a:p>
             <a:r>
-              <a:rPr lang="de-DE" smtClean="0"/>
+              <a:rPr lang="de-DE"/>
               <a:t>Formatvorlage des Untertitelmasters durch Klicken bearbeiten</a:t>
             </a:r>
             <a:endParaRPr lang="en-US" dirty="0"/>
@@ -302,7 +307,7 @@
           <a:p>
             <a:fld id="{10AE9CC0-B774-45F9-BE4D-F08A9F512330}" type="datetimeFigureOut">
               <a:rPr lang="de-DE" smtClean="0"/>
-              <a:t>14.04.2021</a:t>
+              <a:t>15.04.2021</a:t>
             </a:fld>
             <a:endParaRPr lang="de-DE"/>
           </a:p>
@@ -437,7 +442,7 @@
           </a:lstStyle>
           <a:p>
             <a:r>
-              <a:rPr lang="de-DE" smtClean="0"/>
+              <a:rPr lang="de-DE"/>
               <a:t>Titelmasterformat durch Klicken bearbeiten</a:t>
             </a:r>
             <a:endParaRPr lang="en-US" dirty="0"/>
@@ -511,7 +516,7 @@
           </a:lstStyle>
           <a:p>
             <a:r>
-              <a:rPr lang="de-DE" smtClean="0"/>
+              <a:rPr lang="de-DE"/>
               <a:t>Bild durch Klicken auf Symbol hinzufügen</a:t>
             </a:r>
             <a:endParaRPr lang="en-US" dirty="0"/>
@@ -577,7 +582,7 @@
           <a:p>
             <a:pPr lvl="0"/>
             <a:r>
-              <a:rPr lang="de-DE" smtClean="0"/>
+              <a:rPr lang="de-DE"/>
               <a:t>Formatvorlagen des Textmasters bearbeiten</a:t>
             </a:r>
           </a:p>
@@ -600,7 +605,7 @@
           <a:p>
             <a:fld id="{10AE9CC0-B774-45F9-BE4D-F08A9F512330}" type="datetimeFigureOut">
               <a:rPr lang="de-DE" smtClean="0"/>
-              <a:t>14.04.2021</a:t>
+              <a:t>15.04.2021</a:t>
             </a:fld>
             <a:endParaRPr lang="de-DE"/>
           </a:p>
@@ -703,7 +708,7 @@
           </a:lstStyle>
           <a:p>
             <a:r>
-              <a:rPr lang="de-DE" smtClean="0"/>
+              <a:rPr lang="de-DE"/>
               <a:t>Titelmasterformat durch Klicken bearbeiten</a:t>
             </a:r>
             <a:endParaRPr lang="en-US" dirty="0"/>
@@ -769,7 +774,7 @@
           <a:p>
             <a:pPr lvl="0"/>
             <a:r>
-              <a:rPr lang="de-DE" smtClean="0"/>
+              <a:rPr lang="de-DE"/>
               <a:t>Formatvorlagen des Textmasters bearbeiten</a:t>
             </a:r>
           </a:p>
@@ -792,7 +797,7 @@
           <a:p>
             <a:fld id="{10AE9CC0-B774-45F9-BE4D-F08A9F512330}" type="datetimeFigureOut">
               <a:rPr lang="de-DE" smtClean="0"/>
-              <a:t>14.04.2021</a:t>
+              <a:t>15.04.2021</a:t>
             </a:fld>
             <a:endParaRPr lang="de-DE"/>
           </a:p>
@@ -895,7 +900,7 @@
           </a:lstStyle>
           <a:p>
             <a:r>
-              <a:rPr lang="de-DE" smtClean="0"/>
+              <a:rPr lang="de-DE"/>
               <a:t>Titelmasterformat durch Klicken bearbeiten</a:t>
             </a:r>
             <a:endParaRPr lang="en-US" dirty="0"/>
@@ -963,7 +968,7 @@
           <a:p>
             <a:pPr lvl="0"/>
             <a:r>
-              <a:rPr lang="de-DE" smtClean="0"/>
+              <a:rPr lang="de-DE"/>
               <a:t>Formatvorlagen des Textmasters bearbeiten</a:t>
             </a:r>
           </a:p>
@@ -1030,7 +1035,7 @@
           <a:p>
             <a:pPr lvl="0"/>
             <a:r>
-              <a:rPr lang="de-DE" smtClean="0"/>
+              <a:rPr lang="de-DE"/>
               <a:t>Formatvorlagen des Textmasters bearbeiten</a:t>
             </a:r>
           </a:p>
@@ -1053,7 +1058,7 @@
           <a:p>
             <a:fld id="{10AE9CC0-B774-45F9-BE4D-F08A9F512330}" type="datetimeFigureOut">
               <a:rPr lang="de-DE" smtClean="0"/>
-              <a:t>14.04.2021</a:t>
+              <a:t>15.04.2021</a:t>
             </a:fld>
             <a:endParaRPr lang="de-DE"/>
           </a:p>
@@ -1388,7 +1393,7 @@
           </a:lstStyle>
           <a:p>
             <a:r>
-              <a:rPr lang="de-DE" smtClean="0"/>
+              <a:rPr lang="de-DE"/>
               <a:t>Titelmasterformat durch Klicken bearbeiten</a:t>
             </a:r>
             <a:endParaRPr lang="en-US" dirty="0"/>
@@ -1454,7 +1459,7 @@
           <a:p>
             <a:pPr lvl="0"/>
             <a:r>
-              <a:rPr lang="de-DE" smtClean="0"/>
+              <a:rPr lang="de-DE"/>
               <a:t>Formatvorlagen des Textmasters bearbeiten</a:t>
             </a:r>
           </a:p>
@@ -1477,7 +1482,7 @@
           <a:p>
             <a:fld id="{10AE9CC0-B774-45F9-BE4D-F08A9F512330}" type="datetimeFigureOut">
               <a:rPr lang="de-DE" smtClean="0"/>
-              <a:t>14.04.2021</a:t>
+              <a:t>15.04.2021</a:t>
             </a:fld>
             <a:endParaRPr lang="de-DE"/>
           </a:p>
@@ -1576,7 +1581,7 @@
           <a:lstStyle/>
           <a:p>
             <a:r>
-              <a:rPr lang="de-DE" smtClean="0"/>
+              <a:rPr lang="de-DE"/>
               <a:t>Titelmasterformat durch Klicken bearbeiten</a:t>
             </a:r>
             <a:endParaRPr lang="en-US" dirty="0"/>
@@ -1648,7 +1653,7 @@
           <a:p>
             <a:pPr lvl="0"/>
             <a:r>
-              <a:rPr lang="de-DE" smtClean="0"/>
+              <a:rPr lang="de-DE"/>
               <a:t>Formatvorlagen des Textmasters bearbeiten</a:t>
             </a:r>
           </a:p>
@@ -1715,7 +1720,7 @@
           <a:p>
             <a:pPr lvl="0"/>
             <a:r>
-              <a:rPr lang="de-DE" smtClean="0"/>
+              <a:rPr lang="de-DE"/>
               <a:t>Formatvorlagen des Textmasters bearbeiten</a:t>
             </a:r>
           </a:p>
@@ -1786,7 +1791,7 @@
           <a:p>
             <a:pPr lvl="0"/>
             <a:r>
-              <a:rPr lang="de-DE" smtClean="0"/>
+              <a:rPr lang="de-DE"/>
               <a:t>Formatvorlagen des Textmasters bearbeiten</a:t>
             </a:r>
           </a:p>
@@ -1853,7 +1858,7 @@
           <a:p>
             <a:pPr lvl="0"/>
             <a:r>
-              <a:rPr lang="de-DE" smtClean="0"/>
+              <a:rPr lang="de-DE"/>
               <a:t>Formatvorlagen des Textmasters bearbeiten</a:t>
             </a:r>
           </a:p>
@@ -1924,7 +1929,7 @@
           <a:p>
             <a:pPr lvl="0"/>
             <a:r>
-              <a:rPr lang="de-DE" smtClean="0"/>
+              <a:rPr lang="de-DE"/>
               <a:t>Formatvorlagen des Textmasters bearbeiten</a:t>
             </a:r>
           </a:p>
@@ -1991,7 +1996,7 @@
           <a:p>
             <a:pPr lvl="0"/>
             <a:r>
-              <a:rPr lang="de-DE" smtClean="0"/>
+              <a:rPr lang="de-DE"/>
               <a:t>Formatvorlagen des Textmasters bearbeiten</a:t>
             </a:r>
           </a:p>
@@ -2014,7 +2019,7 @@
           <a:p>
             <a:fld id="{10AE9CC0-B774-45F9-BE4D-F08A9F512330}" type="datetimeFigureOut">
               <a:rPr lang="de-DE" smtClean="0"/>
-              <a:t>14.04.2021</a:t>
+              <a:t>15.04.2021</a:t>
             </a:fld>
             <a:endParaRPr lang="de-DE"/>
           </a:p>
@@ -2203,7 +2208,7 @@
           <a:lstStyle/>
           <a:p>
             <a:r>
-              <a:rPr lang="de-DE" smtClean="0"/>
+              <a:rPr lang="de-DE"/>
               <a:t>Titelmasterformat durch Klicken bearbeiten</a:t>
             </a:r>
             <a:endParaRPr lang="en-US" dirty="0"/>
@@ -2275,7 +2280,7 @@
           <a:p>
             <a:pPr lvl="0"/>
             <a:r>
-              <a:rPr lang="de-DE" smtClean="0"/>
+              <a:rPr lang="de-DE"/>
               <a:t>Formatvorlagen des Textmasters bearbeiten</a:t>
             </a:r>
           </a:p>
@@ -2353,7 +2358,7 @@
           </a:lstStyle>
           <a:p>
             <a:r>
-              <a:rPr lang="de-DE" smtClean="0"/>
+              <a:rPr lang="de-DE"/>
               <a:t>Bild durch Klicken auf Symbol hinzufügen</a:t>
             </a:r>
             <a:endParaRPr lang="en-US" dirty="0"/>
@@ -2421,7 +2426,7 @@
           <a:p>
             <a:pPr lvl="0"/>
             <a:r>
-              <a:rPr lang="de-DE" smtClean="0"/>
+              <a:rPr lang="de-DE"/>
               <a:t>Formatvorlagen des Textmasters bearbeiten</a:t>
             </a:r>
           </a:p>
@@ -2492,7 +2497,7 @@
           <a:p>
             <a:pPr lvl="0"/>
             <a:r>
-              <a:rPr lang="de-DE" smtClean="0"/>
+              <a:rPr lang="de-DE"/>
               <a:t>Formatvorlagen des Textmasters bearbeiten</a:t>
             </a:r>
           </a:p>
@@ -2570,7 +2575,7 @@
           </a:lstStyle>
           <a:p>
             <a:r>
-              <a:rPr lang="de-DE" smtClean="0"/>
+              <a:rPr lang="de-DE"/>
               <a:t>Bild durch Klicken auf Symbol hinzufügen</a:t>
             </a:r>
             <a:endParaRPr lang="en-US" dirty="0"/>
@@ -2638,7 +2643,7 @@
           <a:p>
             <a:pPr lvl="0"/>
             <a:r>
-              <a:rPr lang="de-DE" smtClean="0"/>
+              <a:rPr lang="de-DE"/>
               <a:t>Formatvorlagen des Textmasters bearbeiten</a:t>
             </a:r>
           </a:p>
@@ -2709,7 +2714,7 @@
           <a:p>
             <a:pPr lvl="0"/>
             <a:r>
-              <a:rPr lang="de-DE" smtClean="0"/>
+              <a:rPr lang="de-DE"/>
               <a:t>Formatvorlagen des Textmasters bearbeiten</a:t>
             </a:r>
           </a:p>
@@ -2787,7 +2792,7 @@
           </a:lstStyle>
           <a:p>
             <a:r>
-              <a:rPr lang="de-DE" smtClean="0"/>
+              <a:rPr lang="de-DE"/>
               <a:t>Bild durch Klicken auf Symbol hinzufügen</a:t>
             </a:r>
             <a:endParaRPr lang="en-US" dirty="0"/>
@@ -2855,7 +2860,7 @@
           <a:p>
             <a:pPr lvl="0"/>
             <a:r>
-              <a:rPr lang="de-DE" smtClean="0"/>
+              <a:rPr lang="de-DE"/>
               <a:t>Formatvorlagen des Textmasters bearbeiten</a:t>
             </a:r>
           </a:p>
@@ -2878,7 +2883,7 @@
           <a:p>
             <a:fld id="{10AE9CC0-B774-45F9-BE4D-F08A9F512330}" type="datetimeFigureOut">
               <a:rPr lang="de-DE" smtClean="0"/>
-              <a:t>14.04.2021</a:t>
+              <a:t>15.04.2021</a:t>
             </a:fld>
             <a:endParaRPr lang="de-DE"/>
           </a:p>
@@ -2972,7 +2977,7 @@
           <a:lstStyle/>
           <a:p>
             <a:r>
-              <a:rPr lang="de-DE" smtClean="0"/>
+              <a:rPr lang="de-DE"/>
               <a:t>Titelmasterformat durch Klicken bearbeiten</a:t>
             </a:r>
             <a:endParaRPr lang="en-US" dirty="0"/>
@@ -2996,35 +3001,35 @@
           <a:p>
             <a:pPr lvl="0"/>
             <a:r>
-              <a:rPr lang="de-DE" smtClean="0"/>
+              <a:rPr lang="de-DE"/>
               <a:t>Formatvorlagen des Textmasters bearbeiten</a:t>
             </a:r>
           </a:p>
           <a:p>
             <a:pPr lvl="1"/>
             <a:r>
-              <a:rPr lang="de-DE" smtClean="0"/>
+              <a:rPr lang="de-DE"/>
               <a:t>Zweite Ebene</a:t>
             </a:r>
           </a:p>
           <a:p>
             <a:pPr lvl="2"/>
             <a:r>
-              <a:rPr lang="de-DE" smtClean="0"/>
+              <a:rPr lang="de-DE"/>
               <a:t>Dritte Ebene</a:t>
             </a:r>
           </a:p>
           <a:p>
             <a:pPr lvl="3"/>
             <a:r>
-              <a:rPr lang="de-DE" smtClean="0"/>
+              <a:rPr lang="de-DE"/>
               <a:t>Vierte Ebene</a:t>
             </a:r>
           </a:p>
           <a:p>
             <a:pPr lvl="4"/>
             <a:r>
-              <a:rPr lang="de-DE" smtClean="0"/>
+              <a:rPr lang="de-DE"/>
               <a:t>Fünfte Ebene</a:t>
             </a:r>
             <a:endParaRPr lang="en-US" dirty="0"/>
@@ -3048,7 +3053,7 @@
           <a:p>
             <a:fld id="{10AE9CC0-B774-45F9-BE4D-F08A9F512330}" type="datetimeFigureOut">
               <a:rPr lang="de-DE" smtClean="0"/>
-              <a:t>14.04.2021</a:t>
+              <a:t>15.04.2021</a:t>
             </a:fld>
             <a:endParaRPr lang="de-DE"/>
           </a:p>
@@ -3151,7 +3156,7 @@
           </a:lstStyle>
           <a:p>
             <a:r>
-              <a:rPr lang="de-DE" smtClean="0"/>
+              <a:rPr lang="de-DE"/>
               <a:t>Titelmasterformat durch Klicken bearbeiten</a:t>
             </a:r>
             <a:endParaRPr lang="en-US" dirty="0"/>
@@ -3180,35 +3185,35 @@
           <a:p>
             <a:pPr lvl="0"/>
             <a:r>
-              <a:rPr lang="de-DE" smtClean="0"/>
+              <a:rPr lang="de-DE"/>
               <a:t>Formatvorlagen des Textmasters bearbeiten</a:t>
             </a:r>
           </a:p>
           <a:p>
             <a:pPr lvl="1"/>
             <a:r>
-              <a:rPr lang="de-DE" smtClean="0"/>
+              <a:rPr lang="de-DE"/>
               <a:t>Zweite Ebene</a:t>
             </a:r>
           </a:p>
           <a:p>
             <a:pPr lvl="2"/>
             <a:r>
-              <a:rPr lang="de-DE" smtClean="0"/>
+              <a:rPr lang="de-DE"/>
               <a:t>Dritte Ebene</a:t>
             </a:r>
           </a:p>
           <a:p>
             <a:pPr lvl="3"/>
             <a:r>
-              <a:rPr lang="de-DE" smtClean="0"/>
+              <a:rPr lang="de-DE"/>
               <a:t>Vierte Ebene</a:t>
             </a:r>
           </a:p>
           <a:p>
             <a:pPr lvl="4"/>
             <a:r>
-              <a:rPr lang="de-DE" smtClean="0"/>
+              <a:rPr lang="de-DE"/>
               <a:t>Fünfte Ebene</a:t>
             </a:r>
             <a:endParaRPr lang="en-US" dirty="0"/>
@@ -3232,7 +3237,7 @@
           <a:p>
             <a:fld id="{10AE9CC0-B774-45F9-BE4D-F08A9F512330}" type="datetimeFigureOut">
               <a:rPr lang="de-DE" smtClean="0"/>
-              <a:t>14.04.2021</a:t>
+              <a:t>15.04.2021</a:t>
             </a:fld>
             <a:endParaRPr lang="de-DE"/>
           </a:p>
@@ -3326,7 +3331,7 @@
           <a:lstStyle/>
           <a:p>
             <a:r>
-              <a:rPr lang="de-DE" smtClean="0"/>
+              <a:rPr lang="de-DE"/>
               <a:t>Titelmasterformat durch Klicken bearbeiten</a:t>
             </a:r>
             <a:endParaRPr lang="en-US" dirty="0"/>
@@ -3350,35 +3355,35 @@
           <a:p>
             <a:pPr lvl="0"/>
             <a:r>
-              <a:rPr lang="de-DE" smtClean="0"/>
+              <a:rPr lang="de-DE"/>
               <a:t>Formatvorlagen des Textmasters bearbeiten</a:t>
             </a:r>
           </a:p>
           <a:p>
             <a:pPr lvl="1"/>
             <a:r>
-              <a:rPr lang="de-DE" smtClean="0"/>
+              <a:rPr lang="de-DE"/>
               <a:t>Zweite Ebene</a:t>
             </a:r>
           </a:p>
           <a:p>
             <a:pPr lvl="2"/>
             <a:r>
-              <a:rPr lang="de-DE" smtClean="0"/>
+              <a:rPr lang="de-DE"/>
               <a:t>Dritte Ebene</a:t>
             </a:r>
           </a:p>
           <a:p>
             <a:pPr lvl="3"/>
             <a:r>
-              <a:rPr lang="de-DE" smtClean="0"/>
+              <a:rPr lang="de-DE"/>
               <a:t>Vierte Ebene</a:t>
             </a:r>
           </a:p>
           <a:p>
             <a:pPr lvl="4"/>
             <a:r>
-              <a:rPr lang="de-DE" smtClean="0"/>
+              <a:rPr lang="de-DE"/>
               <a:t>Fünfte Ebene</a:t>
             </a:r>
             <a:endParaRPr lang="en-US" dirty="0"/>
@@ -3402,7 +3407,7 @@
           <a:p>
             <a:fld id="{10AE9CC0-B774-45F9-BE4D-F08A9F512330}" type="datetimeFigureOut">
               <a:rPr lang="de-DE" smtClean="0"/>
-              <a:t>14.04.2021</a:t>
+              <a:t>15.04.2021</a:t>
             </a:fld>
             <a:endParaRPr lang="de-DE"/>
           </a:p>
@@ -3505,7 +3510,7 @@
           </a:lstStyle>
           <a:p>
             <a:r>
-              <a:rPr lang="de-DE" smtClean="0"/>
+              <a:rPr lang="de-DE"/>
               <a:t>Titelmasterformat durch Klicken bearbeiten</a:t>
             </a:r>
             <a:endParaRPr lang="en-US" dirty="0"/>
@@ -3623,7 +3628,7 @@
           <a:p>
             <a:pPr lvl="0"/>
             <a:r>
-              <a:rPr lang="de-DE" smtClean="0"/>
+              <a:rPr lang="de-DE"/>
               <a:t>Formatvorlagen des Textmasters bearbeiten</a:t>
             </a:r>
           </a:p>
@@ -3646,7 +3651,7 @@
           <a:p>
             <a:fld id="{10AE9CC0-B774-45F9-BE4D-F08A9F512330}" type="datetimeFigureOut">
               <a:rPr lang="de-DE" smtClean="0"/>
-              <a:t>14.04.2021</a:t>
+              <a:t>15.04.2021</a:t>
             </a:fld>
             <a:endParaRPr lang="de-DE"/>
           </a:p>
@@ -3740,7 +3745,7 @@
           <a:lstStyle/>
           <a:p>
             <a:r>
-              <a:rPr lang="de-DE" smtClean="0"/>
+              <a:rPr lang="de-DE"/>
               <a:t>Titelmasterformat durch Klicken bearbeiten</a:t>
             </a:r>
             <a:endParaRPr lang="en-US" dirty="0"/>
@@ -3771,35 +3776,35 @@
           <a:p>
             <a:pPr lvl="0"/>
             <a:r>
-              <a:rPr lang="de-DE" smtClean="0"/>
+              <a:rPr lang="de-DE"/>
               <a:t>Formatvorlagen des Textmasters bearbeiten</a:t>
             </a:r>
           </a:p>
           <a:p>
             <a:pPr lvl="1"/>
             <a:r>
-              <a:rPr lang="de-DE" smtClean="0"/>
+              <a:rPr lang="de-DE"/>
               <a:t>Zweite Ebene</a:t>
             </a:r>
           </a:p>
           <a:p>
             <a:pPr lvl="2"/>
             <a:r>
-              <a:rPr lang="de-DE" smtClean="0"/>
+              <a:rPr lang="de-DE"/>
               <a:t>Dritte Ebene</a:t>
             </a:r>
           </a:p>
           <a:p>
             <a:pPr lvl="3"/>
             <a:r>
-              <a:rPr lang="de-DE" smtClean="0"/>
+              <a:rPr lang="de-DE"/>
               <a:t>Vierte Ebene</a:t>
             </a:r>
           </a:p>
           <a:p>
             <a:pPr lvl="4"/>
             <a:r>
-              <a:rPr lang="de-DE" smtClean="0"/>
+              <a:rPr lang="de-DE"/>
               <a:t>Fünfte Ebene</a:t>
             </a:r>
             <a:endParaRPr lang="en-US" dirty="0"/>
@@ -3830,35 +3835,35 @@
           <a:p>
             <a:pPr lvl="0"/>
             <a:r>
-              <a:rPr lang="de-DE" smtClean="0"/>
+              <a:rPr lang="de-DE"/>
               <a:t>Formatvorlagen des Textmasters bearbeiten</a:t>
             </a:r>
           </a:p>
           <a:p>
             <a:pPr lvl="1"/>
             <a:r>
-              <a:rPr lang="de-DE" smtClean="0"/>
+              <a:rPr lang="de-DE"/>
               <a:t>Zweite Ebene</a:t>
             </a:r>
           </a:p>
           <a:p>
             <a:pPr lvl="2"/>
             <a:r>
-              <a:rPr lang="de-DE" smtClean="0"/>
+              <a:rPr lang="de-DE"/>
               <a:t>Dritte Ebene</a:t>
             </a:r>
           </a:p>
           <a:p>
             <a:pPr lvl="3"/>
             <a:r>
-              <a:rPr lang="de-DE" smtClean="0"/>
+              <a:rPr lang="de-DE"/>
               <a:t>Vierte Ebene</a:t>
             </a:r>
           </a:p>
           <a:p>
             <a:pPr lvl="4"/>
             <a:r>
-              <a:rPr lang="de-DE" smtClean="0"/>
+              <a:rPr lang="de-DE"/>
               <a:t>Fünfte Ebene</a:t>
             </a:r>
             <a:endParaRPr lang="en-US" dirty="0"/>
@@ -3882,7 +3887,7 @@
           <a:p>
             <a:fld id="{10AE9CC0-B774-45F9-BE4D-F08A9F512330}" type="datetimeFigureOut">
               <a:rPr lang="de-DE" smtClean="0"/>
-              <a:t>14.04.2021</a:t>
+              <a:t>15.04.2021</a:t>
             </a:fld>
             <a:endParaRPr lang="de-DE"/>
           </a:p>
@@ -4040,7 +4045,7 @@
           </a:lstStyle>
           <a:p>
             <a:r>
-              <a:rPr lang="de-DE" smtClean="0"/>
+              <a:rPr lang="de-DE"/>
               <a:t>Titelmasterformat durch Klicken bearbeiten</a:t>
             </a:r>
             <a:endParaRPr lang="en-US" dirty="0"/>
@@ -4108,7 +4113,7 @@
           <a:p>
             <a:pPr lvl="0"/>
             <a:r>
-              <a:rPr lang="de-DE" smtClean="0"/>
+              <a:rPr lang="de-DE"/>
               <a:t>Formatvorlagen des Textmasters bearbeiten</a:t>
             </a:r>
           </a:p>
@@ -4154,35 +4159,35 @@
           <a:p>
             <a:pPr lvl="0"/>
             <a:r>
-              <a:rPr lang="de-DE" smtClean="0"/>
+              <a:rPr lang="de-DE"/>
               <a:t>Formatvorlagen des Textmasters bearbeiten</a:t>
             </a:r>
           </a:p>
           <a:p>
             <a:pPr lvl="1"/>
             <a:r>
-              <a:rPr lang="de-DE" smtClean="0"/>
+              <a:rPr lang="de-DE"/>
               <a:t>Zweite Ebene</a:t>
             </a:r>
           </a:p>
           <a:p>
             <a:pPr lvl="2"/>
             <a:r>
-              <a:rPr lang="de-DE" smtClean="0"/>
+              <a:rPr lang="de-DE"/>
               <a:t>Dritte Ebene</a:t>
             </a:r>
           </a:p>
           <a:p>
             <a:pPr lvl="3"/>
             <a:r>
-              <a:rPr lang="de-DE" smtClean="0"/>
+              <a:rPr lang="de-DE"/>
               <a:t>Vierte Ebene</a:t>
             </a:r>
           </a:p>
           <a:p>
             <a:pPr lvl="4"/>
             <a:r>
-              <a:rPr lang="de-DE" smtClean="0"/>
+              <a:rPr lang="de-DE"/>
               <a:t>Fünfte Ebene</a:t>
             </a:r>
             <a:endParaRPr lang="en-US" dirty="0"/>
@@ -4250,7 +4255,7 @@
           <a:p>
             <a:pPr lvl="0"/>
             <a:r>
-              <a:rPr lang="de-DE" smtClean="0"/>
+              <a:rPr lang="de-DE"/>
               <a:t>Formatvorlagen des Textmasters bearbeiten</a:t>
             </a:r>
           </a:p>
@@ -4296,35 +4301,35 @@
           <a:p>
             <a:pPr lvl="0"/>
             <a:r>
-              <a:rPr lang="de-DE" smtClean="0"/>
+              <a:rPr lang="de-DE"/>
               <a:t>Formatvorlagen des Textmasters bearbeiten</a:t>
             </a:r>
           </a:p>
           <a:p>
             <a:pPr lvl="1"/>
             <a:r>
-              <a:rPr lang="de-DE" smtClean="0"/>
+              <a:rPr lang="de-DE"/>
               <a:t>Zweite Ebene</a:t>
             </a:r>
           </a:p>
           <a:p>
             <a:pPr lvl="2"/>
             <a:r>
-              <a:rPr lang="de-DE" smtClean="0"/>
+              <a:rPr lang="de-DE"/>
               <a:t>Dritte Ebene</a:t>
             </a:r>
           </a:p>
           <a:p>
             <a:pPr lvl="3"/>
             <a:r>
-              <a:rPr lang="de-DE" smtClean="0"/>
+              <a:rPr lang="de-DE"/>
               <a:t>Vierte Ebene</a:t>
             </a:r>
           </a:p>
           <a:p>
             <a:pPr lvl="4"/>
             <a:r>
-              <a:rPr lang="de-DE" smtClean="0"/>
+              <a:rPr lang="de-DE"/>
               <a:t>Fünfte Ebene</a:t>
             </a:r>
             <a:endParaRPr lang="en-US" dirty="0"/>
@@ -4348,7 +4353,7 @@
           <a:p>
             <a:fld id="{10AE9CC0-B774-45F9-BE4D-F08A9F512330}" type="datetimeFigureOut">
               <a:rPr lang="de-DE" smtClean="0"/>
-              <a:t>14.04.2021</a:t>
+              <a:t>15.04.2021</a:t>
             </a:fld>
             <a:endParaRPr lang="de-DE"/>
           </a:p>
@@ -4442,7 +4447,7 @@
           <a:lstStyle/>
           <a:p>
             <a:r>
-              <a:rPr lang="de-DE" smtClean="0"/>
+              <a:rPr lang="de-DE"/>
               <a:t>Titelmasterformat durch Klicken bearbeiten</a:t>
             </a:r>
             <a:endParaRPr lang="en-US" dirty="0"/>
@@ -4466,7 +4471,7 @@
           <a:p>
             <a:fld id="{10AE9CC0-B774-45F9-BE4D-F08A9F512330}" type="datetimeFigureOut">
               <a:rPr lang="de-DE" smtClean="0"/>
-              <a:t>14.04.2021</a:t>
+              <a:t>15.04.2021</a:t>
             </a:fld>
             <a:endParaRPr lang="de-DE"/>
           </a:p>
@@ -4561,7 +4566,7 @@
           <a:p>
             <a:fld id="{10AE9CC0-B774-45F9-BE4D-F08A9F512330}" type="datetimeFigureOut">
               <a:rPr lang="de-DE" smtClean="0"/>
-              <a:t>14.04.2021</a:t>
+              <a:t>15.04.2021</a:t>
             </a:fld>
             <a:endParaRPr lang="de-DE"/>
           </a:p>
@@ -4666,7 +4671,7 @@
           </a:lstStyle>
           <a:p>
             <a:r>
-              <a:rPr lang="de-DE" smtClean="0"/>
+              <a:rPr lang="de-DE"/>
               <a:t>Titelmasterformat durch Klicken bearbeiten</a:t>
             </a:r>
             <a:endParaRPr lang="en-US" dirty="0"/>
@@ -4697,35 +4702,35 @@
           <a:p>
             <a:pPr lvl="0"/>
             <a:r>
-              <a:rPr lang="de-DE" smtClean="0"/>
+              <a:rPr lang="de-DE"/>
               <a:t>Formatvorlagen des Textmasters bearbeiten</a:t>
             </a:r>
           </a:p>
           <a:p>
             <a:pPr lvl="1"/>
             <a:r>
-              <a:rPr lang="de-DE" smtClean="0"/>
+              <a:rPr lang="de-DE"/>
               <a:t>Zweite Ebene</a:t>
             </a:r>
           </a:p>
           <a:p>
             <a:pPr lvl="2"/>
             <a:r>
-              <a:rPr lang="de-DE" smtClean="0"/>
+              <a:rPr lang="de-DE"/>
               <a:t>Dritte Ebene</a:t>
             </a:r>
           </a:p>
           <a:p>
             <a:pPr lvl="3"/>
             <a:r>
-              <a:rPr lang="de-DE" smtClean="0"/>
+              <a:rPr lang="de-DE"/>
               <a:t>Vierte Ebene</a:t>
             </a:r>
           </a:p>
           <a:p>
             <a:pPr lvl="4"/>
             <a:r>
-              <a:rPr lang="de-DE" smtClean="0"/>
+              <a:rPr lang="de-DE"/>
               <a:t>Fünfte Ebene</a:t>
             </a:r>
             <a:endParaRPr lang="en-US" dirty="0"/>
@@ -4793,7 +4798,7 @@
           <a:p>
             <a:pPr lvl="0"/>
             <a:r>
-              <a:rPr lang="de-DE" smtClean="0"/>
+              <a:rPr lang="de-DE"/>
               <a:t>Formatvorlagen des Textmasters bearbeiten</a:t>
             </a:r>
           </a:p>
@@ -4816,7 +4821,7 @@
           <a:p>
             <a:fld id="{10AE9CC0-B774-45F9-BE4D-F08A9F512330}" type="datetimeFigureOut">
               <a:rPr lang="de-DE" smtClean="0"/>
-              <a:t>14.04.2021</a:t>
+              <a:t>15.04.2021</a:t>
             </a:fld>
             <a:endParaRPr lang="de-DE"/>
           </a:p>
@@ -4951,7 +4956,7 @@
           </a:lstStyle>
           <a:p>
             <a:r>
-              <a:rPr lang="de-DE" smtClean="0"/>
+              <a:rPr lang="de-DE"/>
               <a:t>Titelmasterformat durch Klicken bearbeiten</a:t>
             </a:r>
             <a:endParaRPr lang="en-US" dirty="0"/>
@@ -5025,7 +5030,7 @@
           </a:lstStyle>
           <a:p>
             <a:r>
-              <a:rPr lang="de-DE" smtClean="0"/>
+              <a:rPr lang="de-DE"/>
               <a:t>Bild durch Klicken auf Symbol hinzufügen</a:t>
             </a:r>
             <a:endParaRPr lang="en-US" dirty="0"/>
@@ -5093,7 +5098,7 @@
           <a:p>
             <a:pPr lvl="0"/>
             <a:r>
-              <a:rPr lang="de-DE" smtClean="0"/>
+              <a:rPr lang="de-DE"/>
               <a:t>Formatvorlagen des Textmasters bearbeiten</a:t>
             </a:r>
           </a:p>
@@ -5116,7 +5121,7 @@
           <a:p>
             <a:fld id="{10AE9CC0-B774-45F9-BE4D-F08A9F512330}" type="datetimeFigureOut">
               <a:rPr lang="de-DE" smtClean="0"/>
-              <a:t>14.04.2021</a:t>
+              <a:t>15.04.2021</a:t>
             </a:fld>
             <a:endParaRPr lang="de-DE"/>
           </a:p>
@@ -5232,7 +5237,7 @@
           <a:lstStyle/>
           <a:p>
             <a:r>
-              <a:rPr lang="de-DE" smtClean="0"/>
+              <a:rPr lang="de-DE"/>
               <a:t>Titelmasterformat durch Klicken bearbeiten</a:t>
             </a:r>
             <a:endParaRPr lang="en-US" dirty="0"/>
@@ -5273,35 +5278,35 @@
           <a:p>
             <a:pPr lvl="0"/>
             <a:r>
-              <a:rPr lang="de-DE" smtClean="0"/>
+              <a:rPr lang="de-DE"/>
               <a:t>Formatvorlagen des Textmasters bearbeiten</a:t>
             </a:r>
           </a:p>
           <a:p>
             <a:pPr lvl="1"/>
             <a:r>
-              <a:rPr lang="de-DE" smtClean="0"/>
+              <a:rPr lang="de-DE"/>
               <a:t>Zweite Ebene</a:t>
             </a:r>
           </a:p>
           <a:p>
             <a:pPr lvl="2"/>
             <a:r>
-              <a:rPr lang="de-DE" smtClean="0"/>
+              <a:rPr lang="de-DE"/>
               <a:t>Dritte Ebene</a:t>
             </a:r>
           </a:p>
           <a:p>
             <a:pPr lvl="3"/>
             <a:r>
-              <a:rPr lang="de-DE" smtClean="0"/>
+              <a:rPr lang="de-DE"/>
               <a:t>Vierte Ebene</a:t>
             </a:r>
           </a:p>
           <a:p>
             <a:pPr lvl="4"/>
             <a:r>
-              <a:rPr lang="de-DE" smtClean="0"/>
+              <a:rPr lang="de-DE"/>
               <a:t>Fünfte Ebene</a:t>
             </a:r>
             <a:endParaRPr lang="en-US" dirty="0"/>
@@ -5350,7 +5355,7 @@
           <a:p>
             <a:fld id="{10AE9CC0-B774-45F9-BE4D-F08A9F512330}" type="datetimeFigureOut">
               <a:rPr lang="de-DE" smtClean="0"/>
-              <a:t>14.04.2021</a:t>
+              <a:t>15.04.2021</a:t>
             </a:fld>
             <a:endParaRPr lang="de-DE"/>
           </a:p>
@@ -6047,10 +6052,9 @@
           <a:lstStyle/>
           <a:p>
             <a:r>
-              <a:rPr lang="de-DE" dirty="0" smtClean="0"/>
+              <a:rPr lang="de-DE" dirty="0"/>
               <a:t>Präsentation des Projekts PAV</a:t>
             </a:r>
-            <a:endParaRPr lang="de-DE" dirty="0"/>
           </a:p>
         </p:txBody>
       </p:sp>
@@ -6077,25 +6081,25 @@
           <a:lstStyle/>
           <a:p>
             <a:r>
-              <a:rPr lang="de-DE" dirty="0" smtClean="0"/>
+              <a:rPr lang="de-DE" dirty="0"/>
               <a:t>Name: Julian Mader, Kevin Dusch und Jeremy Gassner</a:t>
             </a:r>
           </a:p>
           <a:p>
             <a:r>
-              <a:rPr lang="de-DE" dirty="0" smtClean="0"/>
+              <a:rPr lang="de-DE" dirty="0"/>
               <a:t>Klasse: IT12C</a:t>
             </a:r>
           </a:p>
           <a:p>
             <a:r>
-              <a:rPr lang="de-DE" dirty="0" smtClean="0"/>
+              <a:rPr lang="de-DE" dirty="0"/>
               <a:t>Fach: AUP</a:t>
             </a:r>
           </a:p>
           <a:p>
             <a:r>
-              <a:rPr lang="de-DE" dirty="0" smtClean="0"/>
+              <a:rPr lang="de-DE" dirty="0"/>
               <a:t>Datum: 15.04.2021</a:t>
             </a:r>
           </a:p>
@@ -6114,13 +6118,6 @@
   <p:clrMapOvr>
     <a:masterClrMapping/>
   </p:clrMapOvr>
-  <p:timing>
-    <p:tnLst>
-      <p:par>
-        <p:cTn id="1" dur="indefinite" restart="never" nodeType="tmRoot"/>
-      </p:par>
-    </p:tnLst>
-  </p:timing>
 </p:sld>
 </file>
 
@@ -6162,10 +6159,9 @@
           <a:lstStyle/>
           <a:p>
             <a:r>
-              <a:rPr lang="de-DE" u="sng" dirty="0" smtClean="0"/>
+              <a:rPr lang="de-DE" u="sng" dirty="0"/>
               <a:t>Programm</a:t>
             </a:r>
-            <a:endParaRPr lang="de-DE" u="sng" dirty="0"/>
           </a:p>
         </p:txBody>
       </p:sp>
@@ -6179,13 +6175,6 @@
   <p:clrMapOvr>
     <a:masterClrMapping/>
   </p:clrMapOvr>
-  <p:timing>
-    <p:tnLst>
-      <p:par>
-        <p:cTn id="1" dur="indefinite" restart="never" nodeType="tmRoot"/>
-      </p:par>
-    </p:tnLst>
-  </p:timing>
 </p:sld>
 </file>
 
@@ -6222,10 +6211,9 @@
           <a:lstStyle/>
           <a:p>
             <a:r>
-              <a:rPr lang="de-DE" dirty="0" smtClean="0"/>
+              <a:rPr lang="de-DE" dirty="0"/>
               <a:t>Fazit</a:t>
             </a:r>
-            <a:endParaRPr lang="de-DE" dirty="0"/>
           </a:p>
         </p:txBody>
       </p:sp>
@@ -6249,26 +6237,25 @@
             <a:pPr marL="36900" indent="0">
               <a:buNone/>
             </a:pPr>
-            <a:endParaRPr lang="de-DE" sz="2400" dirty="0" smtClean="0"/>
-          </a:p>
-          <a:p>
-            <a:r>
-              <a:rPr lang="de-DE" sz="2400" dirty="0" smtClean="0"/>
+            <a:endParaRPr lang="de-DE" sz="2400" dirty="0"/>
+          </a:p>
+          <a:p>
+            <a:r>
+              <a:rPr lang="de-DE" sz="2400" dirty="0"/>
               <a:t>Alle Punkte des Kunden wurden eingebunden</a:t>
             </a:r>
           </a:p>
           <a:p>
             <a:r>
-              <a:rPr lang="de-DE" sz="2400" dirty="0" smtClean="0"/>
+              <a:rPr lang="de-DE" sz="2400" dirty="0"/>
               <a:t>Der Arbeitsauftrag der Projekts wurde erfüllt</a:t>
             </a:r>
           </a:p>
           <a:p>
             <a:r>
-              <a:rPr lang="de-DE" sz="2400" dirty="0" smtClean="0"/>
+              <a:rPr lang="de-DE" sz="2400" dirty="0"/>
               <a:t>Nur kleine Probleme beim Zeit Management</a:t>
             </a:r>
-            <a:endParaRPr lang="de-DE" sz="2400" dirty="0"/>
           </a:p>
         </p:txBody>
       </p:sp>
@@ -6531,10 +6518,9 @@
           <a:lstStyle/>
           <a:p>
             <a:r>
-              <a:rPr lang="de-DE" dirty="0" smtClean="0"/>
+              <a:rPr lang="de-DE" dirty="0"/>
               <a:t>Gliederung</a:t>
             </a:r>
-            <a:endParaRPr lang="de-DE" dirty="0"/>
           </a:p>
         </p:txBody>
       </p:sp>
@@ -6556,7 +6542,7 @@
           <a:lstStyle/>
           <a:p>
             <a:r>
-              <a:rPr lang="de-DE" sz="2400" dirty="0" smtClean="0">
+              <a:rPr lang="de-DE" sz="2400" dirty="0">
                 <a:effectLst/>
               </a:rPr>
               <a:t>Die Situation</a:t>
@@ -6564,7 +6550,7 @@
           </a:p>
           <a:p>
             <a:r>
-              <a:rPr lang="de-DE" sz="2400" dirty="0" smtClean="0">
+              <a:rPr lang="de-DE" sz="2400" dirty="0">
                 <a:effectLst/>
               </a:rPr>
               <a:t>Ist Analyse</a:t>
@@ -6572,7 +6558,7 @@
           </a:p>
           <a:p>
             <a:r>
-              <a:rPr lang="de-DE" sz="2400" dirty="0" smtClean="0">
+              <a:rPr lang="de-DE" sz="2400" dirty="0">
                 <a:effectLst/>
               </a:rPr>
               <a:t>Soll Konzept</a:t>
@@ -6580,7 +6566,7 @@
           </a:p>
           <a:p>
             <a:r>
-              <a:rPr lang="de-DE" sz="2400" dirty="0" smtClean="0">
+              <a:rPr lang="de-DE" sz="2400" dirty="0">
                 <a:effectLst/>
               </a:rPr>
               <a:t>Datenbank</a:t>
@@ -6588,7 +6574,7 @@
           </a:p>
           <a:p>
             <a:r>
-              <a:rPr lang="de-DE" sz="2400" dirty="0" smtClean="0">
+              <a:rPr lang="de-DE" sz="2400" dirty="0">
                 <a:effectLst/>
               </a:rPr>
               <a:t>Das Programm</a:t>
@@ -6596,7 +6582,7 @@
           </a:p>
           <a:p>
             <a:r>
-              <a:rPr lang="de-DE" sz="2400" dirty="0" smtClean="0">
+              <a:rPr lang="de-DE" sz="2400" dirty="0">
                 <a:effectLst/>
               </a:rPr>
               <a:t>Fazit</a:t>
@@ -6604,14 +6590,11 @@
           </a:p>
           <a:p>
             <a:r>
-              <a:rPr lang="de-DE" sz="2400" dirty="0" smtClean="0">
+              <a:rPr lang="de-DE" sz="2400" dirty="0">
                 <a:effectLst/>
               </a:rPr>
               <a:t>Quellen</a:t>
             </a:r>
-            <a:endParaRPr lang="de-DE" sz="2400" dirty="0">
-              <a:effectLst/>
-            </a:endParaRPr>
           </a:p>
         </p:txBody>
       </p:sp>
@@ -7118,10 +7101,9 @@
           <a:lstStyle/>
           <a:p>
             <a:r>
-              <a:rPr lang="de-DE" dirty="0" smtClean="0"/>
+              <a:rPr lang="de-DE" dirty="0"/>
               <a:t>Die Situation</a:t>
             </a:r>
-            <a:endParaRPr lang="de-DE" dirty="0"/>
           </a:p>
         </p:txBody>
       </p:sp>
@@ -7143,30 +7125,30 @@
           <a:lstStyle/>
           <a:p>
             <a:r>
-              <a:rPr lang="de-DE" sz="2400" dirty="0" smtClean="0"/>
+              <a:rPr lang="de-DE" sz="2400" dirty="0"/>
               <a:t>Datenbank Projekt für das Fach AUP</a:t>
             </a:r>
           </a:p>
           <a:p>
             <a:r>
-              <a:rPr lang="de-DE" sz="2400" dirty="0" smtClean="0"/>
+              <a:rPr lang="de-DE" sz="2400" dirty="0"/>
               <a:t>Kundenauftrag von der Firma Soloplan GmbH</a:t>
             </a:r>
           </a:p>
           <a:p>
             <a:r>
-              <a:rPr lang="de-DE" sz="2400" dirty="0" smtClean="0"/>
+              <a:rPr lang="de-DE" sz="2400" dirty="0"/>
               <a:t>Entwicklung einer Applikation</a:t>
             </a:r>
           </a:p>
           <a:p>
             <a:r>
-              <a:rPr lang="de-DE" sz="2400" dirty="0" smtClean="0"/>
-              <a:t>Verwaltung der Firmendaten</a:t>
-            </a:r>
-          </a:p>
-          <a:p>
-            <a:endParaRPr lang="de-DE" sz="2400" dirty="0" smtClean="0"/>
+              <a:rPr lang="de-DE" sz="2400" dirty="0"/>
+              <a:t>Verwaltung der Personaldaten</a:t>
+            </a:r>
+          </a:p>
+          <a:p>
+            <a:endParaRPr lang="de-DE" sz="2400" dirty="0"/>
           </a:p>
           <a:p>
             <a:endParaRPr lang="de-DE" sz="2400" dirty="0"/>
@@ -7493,10 +7475,9 @@
           <a:lstStyle/>
           <a:p>
             <a:r>
-              <a:rPr lang="de-DE" dirty="0" smtClean="0"/>
+              <a:rPr lang="de-DE" dirty="0"/>
               <a:t>Ist Analyse</a:t>
             </a:r>
-            <a:endParaRPr lang="de-DE" dirty="0"/>
           </a:p>
         </p:txBody>
       </p:sp>
@@ -7518,34 +7499,33 @@
           <a:lstStyle/>
           <a:p>
             <a:r>
-              <a:rPr lang="de-DE" sz="2400" dirty="0" smtClean="0"/>
-              <a:t>Soloplan besitzt bereits mehrere Verwaltungen</a:t>
-            </a:r>
-          </a:p>
-          <a:p>
-            <a:r>
-              <a:rPr lang="de-DE" sz="2400" dirty="0" smtClean="0"/>
-              <a:t>Pro Gebiet eine Verwaltung</a:t>
-            </a:r>
-          </a:p>
-          <a:p>
-            <a:r>
-              <a:rPr lang="de-DE" sz="2400" dirty="0" smtClean="0"/>
-              <a:t>Daten sind nicht von einander abhängig</a:t>
-            </a:r>
-          </a:p>
-          <a:p>
-            <a:r>
-              <a:rPr lang="de-DE" sz="2400" dirty="0" smtClean="0"/>
+              <a:rPr lang="de-DE" sz="2400" dirty="0"/>
+              <a:t>Soloplan besitzt bereits mehrere Anwendungen</a:t>
+            </a:r>
+          </a:p>
+          <a:p>
+            <a:r>
+              <a:rPr lang="de-DE" sz="2400" dirty="0"/>
+              <a:t>Pro Gebiet eine Anwendungen</a:t>
+            </a:r>
+          </a:p>
+          <a:p>
+            <a:r>
+              <a:rPr lang="de-DE" sz="2400" dirty="0"/>
+              <a:t>Daten sind nicht von einander abhängig (mehrere Datenbanken)</a:t>
+            </a:r>
+          </a:p>
+          <a:p>
+            <a:r>
+              <a:rPr lang="de-DE" sz="2400" dirty="0"/>
               <a:t>Es fallen hohe Lizenz Kosten an</a:t>
             </a:r>
           </a:p>
           <a:p>
             <a:r>
-              <a:rPr lang="de-DE" sz="2400" dirty="0" smtClean="0"/>
+              <a:rPr lang="de-DE" sz="2400" dirty="0"/>
               <a:t>Nicht erfasste Daten werden in Excel Daten gespeichert</a:t>
             </a:r>
-            <a:endParaRPr lang="de-DE" sz="2400" dirty="0"/>
           </a:p>
         </p:txBody>
       </p:sp>
@@ -7930,10 +7910,9 @@
           <a:lstStyle/>
           <a:p>
             <a:r>
-              <a:rPr lang="de-DE" dirty="0" smtClean="0"/>
+              <a:rPr lang="de-DE" dirty="0"/>
               <a:t>Soll Konzept</a:t>
             </a:r>
-            <a:endParaRPr lang="de-DE" dirty="0"/>
           </a:p>
         </p:txBody>
       </p:sp>
@@ -7955,31 +7934,31 @@
           <a:lstStyle/>
           <a:p>
             <a:r>
-              <a:rPr lang="de-DE" sz="2400" dirty="0" smtClean="0"/>
+              <a:rPr lang="de-DE" sz="2400" dirty="0"/>
               <a:t>Alle Verwaltungen in einer kombiniert</a:t>
             </a:r>
           </a:p>
           <a:p>
             <a:r>
-              <a:rPr lang="de-DE" sz="2400" dirty="0" smtClean="0"/>
+              <a:rPr lang="de-DE" sz="2400" dirty="0"/>
               <a:t>Daten werden in einer Datenbank gespeichert</a:t>
             </a:r>
           </a:p>
           <a:p>
             <a:r>
-              <a:rPr lang="de-DE" sz="2400" dirty="0" smtClean="0"/>
+              <a:rPr lang="de-DE" sz="2400" dirty="0"/>
               <a:t>Desktop Anwendung</a:t>
             </a:r>
           </a:p>
           <a:p>
             <a:r>
-              <a:rPr lang="de-DE" sz="2400" dirty="0" smtClean="0"/>
-              <a:t>Modul- bzw. Tab Aufbau(Pro Gebiet ein Modul)</a:t>
-            </a:r>
-          </a:p>
-          <a:p>
-            <a:r>
-              <a:rPr lang="de-DE" sz="2400" dirty="0" smtClean="0"/>
+              <a:rPr lang="de-DE" sz="2400" dirty="0"/>
+              <a:t>Modul- bzw. Tab Aufbau (Pro Gebiet ein Modul)</a:t>
+            </a:r>
+          </a:p>
+          <a:p>
+            <a:r>
+              <a:rPr lang="de-DE" sz="2400" dirty="0"/>
               <a:t> Module: </a:t>
             </a:r>
           </a:p>
@@ -8132,7 +8111,7 @@
           <a:p>
             <a:pPr algn="ctr"/>
             <a:r>
-              <a:rPr lang="de-DE" sz="2400" dirty="0" smtClean="0"/>
+              <a:rPr lang="de-DE" sz="2400" dirty="0"/>
               <a:t>Mitarbeiter</a:t>
             </a:r>
             <a:endParaRPr lang="de-DE" dirty="0"/>
@@ -8163,7 +8142,7 @@
           <a:p>
             <a:pPr algn="ctr"/>
             <a:r>
-              <a:rPr lang="de-DE" sz="2400" dirty="0" smtClean="0"/>
+              <a:rPr lang="de-DE" sz="2400" dirty="0"/>
               <a:t>Abteilung</a:t>
             </a:r>
             <a:endParaRPr lang="de-DE" dirty="0"/>
@@ -8194,7 +8173,7 @@
           <a:p>
             <a:pPr algn="ctr"/>
             <a:r>
-              <a:rPr lang="de-DE" sz="2400" dirty="0" smtClean="0"/>
+              <a:rPr lang="de-DE" sz="2400" dirty="0"/>
               <a:t>Verträge</a:t>
             </a:r>
             <a:endParaRPr lang="de-DE" dirty="0"/>
@@ -8225,7 +8204,7 @@
           <a:p>
             <a:pPr algn="ctr"/>
             <a:r>
-              <a:rPr lang="de-DE" sz="2400" dirty="0" smtClean="0"/>
+              <a:rPr lang="de-DE" sz="2400" dirty="0"/>
               <a:t>Räume</a:t>
             </a:r>
             <a:endParaRPr lang="de-DE" dirty="0"/>
@@ -8256,7 +8235,7 @@
           <a:p>
             <a:pPr algn="ctr"/>
             <a:r>
-              <a:rPr lang="de-DE" sz="2400" dirty="0" smtClean="0"/>
+              <a:rPr lang="de-DE" sz="2400" dirty="0"/>
               <a:t>Position</a:t>
             </a:r>
             <a:endParaRPr lang="de-DE" dirty="0"/>
@@ -9091,10 +9070,9 @@
           <a:lstStyle/>
           <a:p>
             <a:r>
-              <a:rPr lang="de-DE" dirty="0" smtClean="0"/>
+              <a:rPr lang="de-DE" dirty="0"/>
               <a:t>Datenbank</a:t>
             </a:r>
-            <a:endParaRPr lang="de-DE" dirty="0"/>
           </a:p>
         </p:txBody>
       </p:sp>
@@ -9111,7 +9089,7 @@
         <p:spPr>
           <a:xfrm>
             <a:off x="913795" y="2164711"/>
-            <a:ext cx="10353762" cy="4058751"/>
+            <a:ext cx="6569185" cy="4058751"/>
           </a:xfrm>
         </p:spPr>
         <p:txBody>
@@ -9121,39 +9099,15 @@
           <a:lstStyle/>
           <a:p>
             <a:r>
-              <a:rPr lang="de-DE" sz="2400" dirty="0" smtClean="0"/>
-              <a:t>Daten werden in einer Datenbank gespeichert</a:t>
-            </a:r>
-          </a:p>
-          <a:p>
-            <a:r>
-              <a:rPr lang="de-DE" sz="2400" dirty="0" smtClean="0"/>
-              <a:t>Programm</a:t>
-            </a:r>
-            <a:r>
               <a:rPr lang="de-DE" sz="2400" dirty="0"/>
-              <a:t>: </a:t>
-            </a:r>
-            <a:r>
-              <a:rPr lang="de-DE" sz="2400" dirty="0" err="1" smtClean="0"/>
-              <a:t>Xampp</a:t>
-            </a:r>
-            <a:endParaRPr lang="de-DE" sz="2400" dirty="0" smtClean="0"/>
-          </a:p>
-          <a:p>
-            <a:r>
-              <a:rPr lang="de-DE" sz="2400" dirty="0" smtClean="0"/>
-              <a:t>Datenbank-Managementsystem: </a:t>
-            </a:r>
-            <a:r>
-              <a:rPr lang="de-DE" sz="2400" dirty="0" err="1" smtClean="0"/>
-              <a:t>My</a:t>
-            </a:r>
-            <a:r>
-              <a:rPr lang="de-DE" sz="2400" dirty="0" smtClean="0"/>
-              <a:t>-SQL</a:t>
-            </a:r>
-            <a:endParaRPr lang="de-DE" sz="2400" dirty="0"/>
+              <a:t>Daten werden in einer relationalen Datenbank gespeichert</a:t>
+            </a:r>
+          </a:p>
+          <a:p>
+            <a:r>
+              <a:rPr lang="de-DE" sz="2400" dirty="0"/>
+              <a:t>Datenbank-Managementsystem: MySQL</a:t>
+            </a:r>
           </a:p>
         </p:txBody>
       </p:sp>
@@ -9364,11 +9318,7 @@
                                           </p:stCondLst>
                                         </p:cTn>
                                         <p:tgtEl>
-                                          <p:spTgt spid="3">
-                                            <p:txEl>
-                                              <p:pRg st="2" end="2"/>
-                                            </p:txEl>
-                                          </p:spTgt>
+                                          <p:spTgt spid="2050"/>
                                         </p:tgtEl>
                                         <p:attrNameLst>
                                           <p:attrName>style.visibility</p:attrName>
@@ -9381,63 +9331,6 @@
                                     <p:animEffect transition="in" filter="fade">
                                       <p:cBhvr>
                                         <p:cTn id="17" dur="500"/>
-                                        <p:tgtEl>
-                                          <p:spTgt spid="3">
-                                            <p:txEl>
-                                              <p:pRg st="2" end="2"/>
-                                            </p:txEl>
-                                          </p:spTgt>
-                                        </p:tgtEl>
-                                      </p:cBhvr>
-                                    </p:animEffect>
-                                  </p:childTnLst>
-                                </p:cTn>
-                              </p:par>
-                            </p:childTnLst>
-                          </p:cTn>
-                        </p:par>
-                      </p:childTnLst>
-                    </p:cTn>
-                  </p:par>
-                  <p:par>
-                    <p:cTn id="18" fill="hold">
-                      <p:stCondLst>
-                        <p:cond delay="indefinite"/>
-                      </p:stCondLst>
-                      <p:childTnLst>
-                        <p:par>
-                          <p:cTn id="19" fill="hold">
-                            <p:stCondLst>
-                              <p:cond delay="0"/>
-                            </p:stCondLst>
-                            <p:childTnLst>
-                              <p:par>
-                                <p:cTn id="20" presetID="10" presetClass="entr" presetSubtype="0" fill="hold" nodeType="clickEffect">
-                                  <p:stCondLst>
-                                    <p:cond delay="0"/>
-                                  </p:stCondLst>
-                                  <p:childTnLst>
-                                    <p:set>
-                                      <p:cBhvr>
-                                        <p:cTn id="21" dur="1" fill="hold">
-                                          <p:stCondLst>
-                                            <p:cond delay="0"/>
-                                          </p:stCondLst>
-                                        </p:cTn>
-                                        <p:tgtEl>
-                                          <p:spTgt spid="2050"/>
-                                        </p:tgtEl>
-                                        <p:attrNameLst>
-                                          <p:attrName>style.visibility</p:attrName>
-                                        </p:attrNameLst>
-                                      </p:cBhvr>
-                                      <p:to>
-                                        <p:strVal val="visible"/>
-                                      </p:to>
-                                    </p:set>
-                                    <p:animEffect transition="in" filter="fade">
-                                      <p:cBhvr>
-                                        <p:cTn id="22" dur="500"/>
                                         <p:tgtEl>
                                           <p:spTgt spid="2050"/>
                                         </p:tgtEl>
@@ -9510,7 +9403,7 @@
           <a:lstStyle/>
           <a:p>
             <a:r>
-              <a:rPr lang="de-DE" dirty="0" err="1" smtClean="0"/>
+              <a:rPr lang="de-DE" dirty="0" err="1"/>
               <a:t>TB_Employees</a:t>
             </a:r>
             <a:endParaRPr lang="de-DE" dirty="0"/>
@@ -9540,34 +9433,26 @@
           <a:lstStyle/>
           <a:p>
             <a:r>
-              <a:rPr lang="de-DE" sz="2400" dirty="0" smtClean="0"/>
+              <a:rPr lang="de-DE" sz="2400" dirty="0"/>
               <a:t>Haupttabelle</a:t>
             </a:r>
           </a:p>
           <a:p>
             <a:r>
-              <a:rPr lang="de-DE" sz="2400" dirty="0" smtClean="0"/>
-              <a:t>Speichert alle </a:t>
-            </a:r>
-            <a:r>
               <a:rPr lang="de-DE" sz="2400" dirty="0"/>
-              <a:t>Personenbezogene </a:t>
-            </a:r>
-            <a:r>
-              <a:rPr lang="de-DE" sz="2400" dirty="0" smtClean="0"/>
-              <a:t>Daten</a:t>
-            </a:r>
-          </a:p>
-          <a:p>
-            <a:r>
-              <a:rPr lang="de-DE" sz="2400" dirty="0" smtClean="0"/>
+              <a:t>Speichert alle personenbezogenen Daten</a:t>
+            </a:r>
+          </a:p>
+          <a:p>
+            <a:r>
+              <a:rPr lang="de-DE" sz="2400" dirty="0"/>
               <a:t>1*n Beziehung zu jeder Tabelle bis auf </a:t>
             </a:r>
             <a:r>
-              <a:rPr lang="de-DE" sz="2400" dirty="0" err="1" smtClean="0"/>
+              <a:rPr lang="de-DE" sz="2400" dirty="0" err="1"/>
               <a:t>TB_Rooms</a:t>
             </a:r>
-            <a:endParaRPr lang="de-DE" sz="2400" dirty="0" smtClean="0"/>
+            <a:endParaRPr lang="de-DE" sz="2400" dirty="0"/>
           </a:p>
           <a:p>
             <a:endParaRPr lang="de-DE" sz="2400" dirty="0"/>
@@ -9910,7 +9795,7 @@
           <a:lstStyle/>
           <a:p>
             <a:r>
-              <a:rPr lang="de-DE" dirty="0" err="1" smtClean="0"/>
+              <a:rPr lang="de-DE" dirty="0" err="1"/>
               <a:t>TB_Roomsemployees</a:t>
             </a:r>
             <a:endParaRPr lang="de-DE" dirty="0"/>
@@ -9940,37 +9825,37 @@
           <a:lstStyle/>
           <a:p>
             <a:r>
-              <a:rPr lang="de-DE" sz="2400" dirty="0" smtClean="0"/>
+              <a:rPr lang="de-DE" sz="2400" dirty="0"/>
               <a:t>Verbindungstabelle zwischen Personen und Räume</a:t>
             </a:r>
           </a:p>
           <a:p>
             <a:r>
-              <a:rPr lang="de-DE" sz="2400" dirty="0" smtClean="0"/>
+              <a:rPr lang="de-DE" sz="2400" dirty="0"/>
               <a:t>Speichert welche Personen in Raum arbeiten</a:t>
             </a:r>
           </a:p>
           <a:p>
             <a:r>
-              <a:rPr lang="de-DE" sz="2400" dirty="0" smtClean="0"/>
+              <a:rPr lang="de-DE" sz="2400" dirty="0"/>
               <a:t>Speichert in welche Räume eine Person arbeitet</a:t>
             </a:r>
           </a:p>
           <a:p>
             <a:r>
-              <a:rPr lang="de-DE" sz="2400" dirty="0" smtClean="0"/>
+              <a:rPr lang="de-DE" sz="2400" dirty="0"/>
               <a:t>1*n Beziehung zu </a:t>
             </a:r>
             <a:r>
-              <a:rPr lang="de-DE" sz="2400" dirty="0" err="1" smtClean="0"/>
+              <a:rPr lang="de-DE" sz="2400" dirty="0" err="1"/>
               <a:t>TB_Employees</a:t>
             </a:r>
             <a:r>
-              <a:rPr lang="de-DE" sz="2400" dirty="0" smtClean="0"/>
+              <a:rPr lang="de-DE" sz="2400" dirty="0"/>
               <a:t> und </a:t>
             </a:r>
             <a:r>
-              <a:rPr lang="de-DE" sz="2400" dirty="0" err="1" smtClean="0"/>
+              <a:rPr lang="de-DE" sz="2400" dirty="0" err="1"/>
               <a:t>TB_Rooms</a:t>
             </a:r>
             <a:endParaRPr lang="de-DE" sz="2400" dirty="0"/>
@@ -10381,20 +10266,23 @@
           <a:lstStyle/>
           <a:p>
             <a:r>
-              <a:rPr lang="de-DE" dirty="0" smtClean="0"/>
+              <a:rPr lang="de-DE" dirty="0"/>
               <a:t>Speichert alle Daten von den Abteilungen</a:t>
             </a:r>
           </a:p>
           <a:p>
             <a:r>
-              <a:rPr lang="de-DE" dirty="0" smtClean="0"/>
+              <a:rPr lang="de-DE" dirty="0"/>
               <a:t>1*n Beziehung zu </a:t>
             </a:r>
             <a:r>
-              <a:rPr lang="de-DE" dirty="0" err="1" smtClean="0"/>
+              <a:rPr lang="de-DE" dirty="0" err="1"/>
               <a:t>TB_Employees</a:t>
             </a:r>
-            <a:endParaRPr lang="de-DE" dirty="0"/>
+            <a:r>
+              <a:rPr lang="de-DE" dirty="0"/>
+              <a:t> (Manager)</a:t>
+            </a:r>
           </a:p>
         </p:txBody>
       </p:sp>
@@ -10868,20 +10756,9 @@
           </a:lstStyle>
           <a:p>
             <a:r>
-              <a:rPr lang="de-DE" dirty="0" smtClean="0"/>
+              <a:rPr lang="de-DE" dirty="0"/>
               <a:t>Speichert alle Daten von den Positionen</a:t>
             </a:r>
-          </a:p>
-          <a:p>
-            <a:r>
-              <a:rPr lang="de-DE" dirty="0" smtClean="0"/>
-              <a:t>1*n Beziehung zu </a:t>
-            </a:r>
-            <a:r>
-              <a:rPr lang="de-DE" dirty="0" err="1" smtClean="0"/>
-              <a:t>TB_Employees</a:t>
-            </a:r>
-            <a:endParaRPr lang="de-DE" dirty="0"/>
           </a:p>
         </p:txBody>
       </p:sp>
@@ -11259,20 +11136,9 @@
           </a:lstStyle>
           <a:p>
             <a:r>
-              <a:rPr lang="de-DE" dirty="0" smtClean="0"/>
+              <a:rPr lang="de-DE" dirty="0"/>
               <a:t>Speichert alle Daten von den Räumen</a:t>
             </a:r>
-          </a:p>
-          <a:p>
-            <a:r>
-              <a:rPr lang="de-DE" dirty="0" smtClean="0"/>
-              <a:t>1*n Beziehung zu </a:t>
-            </a:r>
-            <a:r>
-              <a:rPr lang="de-DE" dirty="0" err="1"/>
-              <a:t>TB_Roomsemployees</a:t>
-            </a:r>
-            <a:endParaRPr lang="de-DE" dirty="0"/>
           </a:p>
         </p:txBody>
       </p:sp>
@@ -11650,20 +11516,9 @@
           </a:lstStyle>
           <a:p>
             <a:r>
-              <a:rPr lang="de-DE" dirty="0" smtClean="0"/>
+              <a:rPr lang="de-DE" dirty="0"/>
               <a:t>Speichert alle Arbeitsverträge und deren Daten</a:t>
             </a:r>
-          </a:p>
-          <a:p>
-            <a:r>
-              <a:rPr lang="de-DE" dirty="0" smtClean="0"/>
-              <a:t>1*n Beziehung zu </a:t>
-            </a:r>
-            <a:r>
-              <a:rPr lang="de-DE" dirty="0" err="1" smtClean="0"/>
-              <a:t>TB_Employees</a:t>
-            </a:r>
-            <a:endParaRPr lang="de-DE" dirty="0"/>
           </a:p>
         </p:txBody>
       </p:sp>
@@ -12310,11 +12165,7 @@
                                           </p:stCondLst>
                                         </p:cTn>
                                         <p:tgtEl>
-                                          <p:spTgt spid="9">
-                                            <p:txEl>
-                                              <p:pRg st="1" end="1"/>
-                                            </p:txEl>
-                                          </p:spTgt>
+                                          <p:spTgt spid="7"/>
                                         </p:tgtEl>
                                         <p:attrNameLst>
                                           <p:attrName>style.visibility</p:attrName>
@@ -12328,11 +12179,7 @@
                                       <p:cBhvr>
                                         <p:cTn id="42" dur="500"/>
                                         <p:tgtEl>
-                                          <p:spTgt spid="9">
-                                            <p:txEl>
-                                              <p:pRg st="1" end="1"/>
-                                            </p:txEl>
-                                          </p:spTgt>
+                                          <p:spTgt spid="7"/>
                                         </p:tgtEl>
                                       </p:cBhvr>
                                     </p:animEffect>
@@ -12358,7 +12205,7 @@
                             </p:stCondLst>
                             <p:childTnLst>
                               <p:par>
-                                <p:cTn id="45" presetID="10" presetClass="entr" presetSubtype="0" fill="hold" nodeType="clickEffect">
+                                <p:cTn id="45" presetID="10" presetClass="entr" presetSubtype="0" fill="hold" grpId="0" nodeType="clickEffect">
                                   <p:stCondLst>
                                     <p:cond delay="0"/>
                                   </p:stCondLst>
@@ -12371,7 +12218,7 @@
                                           </p:stCondLst>
                                         </p:cTn>
                                         <p:tgtEl>
-                                          <p:spTgt spid="7"/>
+                                          <p:spTgt spid="14"/>
                                         </p:tgtEl>
                                         <p:attrNameLst>
                                           <p:attrName>style.visibility</p:attrName>
@@ -12385,7 +12232,7 @@
                                       <p:cBhvr>
                                         <p:cTn id="47" dur="500"/>
                                         <p:tgtEl>
-                                          <p:spTgt spid="7"/>
+                                          <p:spTgt spid="14"/>
                                         </p:tgtEl>
                                       </p:cBhvr>
                                     </p:animEffect>
@@ -12411,7 +12258,7 @@
                             </p:stCondLst>
                             <p:childTnLst>
                               <p:par>
-                                <p:cTn id="50" presetID="10" presetClass="entr" presetSubtype="0" fill="hold" grpId="0" nodeType="clickEffect">
+                                <p:cTn id="50" presetID="10" presetClass="entr" presetSubtype="0" fill="hold" nodeType="clickEffect">
                                   <p:stCondLst>
                                     <p:cond delay="0"/>
                                   </p:stCondLst>
@@ -12424,7 +12271,11 @@
                                           </p:stCondLst>
                                         </p:cTn>
                                         <p:tgtEl>
-                                          <p:spTgt spid="14"/>
+                                          <p:spTgt spid="10">
+                                            <p:txEl>
+                                              <p:pRg st="0" end="0"/>
+                                            </p:txEl>
+                                          </p:spTgt>
                                         </p:tgtEl>
                                         <p:attrNameLst>
                                           <p:attrName>style.visibility</p:attrName>
@@ -12438,7 +12289,11 @@
                                       <p:cBhvr>
                                         <p:cTn id="52" dur="500"/>
                                         <p:tgtEl>
-                                          <p:spTgt spid="14"/>
+                                          <p:spTgt spid="10">
+                                            <p:txEl>
+                                              <p:pRg st="0" end="0"/>
+                                            </p:txEl>
+                                          </p:spTgt>
                                         </p:tgtEl>
                                       </p:cBhvr>
                                     </p:animEffect>
@@ -12477,11 +12332,7 @@
                                           </p:stCondLst>
                                         </p:cTn>
                                         <p:tgtEl>
-                                          <p:spTgt spid="10">
-                                            <p:txEl>
-                                              <p:pRg st="0" end="0"/>
-                                            </p:txEl>
-                                          </p:spTgt>
+                                          <p:spTgt spid="8"/>
                                         </p:tgtEl>
                                         <p:attrNameLst>
                                           <p:attrName>style.visibility</p:attrName>
@@ -12495,11 +12346,7 @@
                                       <p:cBhvr>
                                         <p:cTn id="57" dur="500"/>
                                         <p:tgtEl>
-                                          <p:spTgt spid="10">
-                                            <p:txEl>
-                                              <p:pRg st="0" end="0"/>
-                                            </p:txEl>
-                                          </p:spTgt>
+                                          <p:spTgt spid="8"/>
                                         </p:tgtEl>
                                       </p:cBhvr>
                                     </p:animEffect>
@@ -12525,7 +12372,7 @@
                             </p:stCondLst>
                             <p:childTnLst>
                               <p:par>
-                                <p:cTn id="60" presetID="10" presetClass="entr" presetSubtype="0" fill="hold" nodeType="clickEffect">
+                                <p:cTn id="60" presetID="10" presetClass="entr" presetSubtype="0" fill="hold" grpId="0" nodeType="clickEffect">
                                   <p:stCondLst>
                                     <p:cond delay="0"/>
                                   </p:stCondLst>
@@ -12538,11 +12385,7 @@
                                           </p:stCondLst>
                                         </p:cTn>
                                         <p:tgtEl>
-                                          <p:spTgt spid="10">
-                                            <p:txEl>
-                                              <p:pRg st="1" end="1"/>
-                                            </p:txEl>
-                                          </p:spTgt>
+                                          <p:spTgt spid="15"/>
                                         </p:tgtEl>
                                         <p:attrNameLst>
                                           <p:attrName>style.visibility</p:attrName>
@@ -12556,11 +12399,7 @@
                                       <p:cBhvr>
                                         <p:cTn id="62" dur="500"/>
                                         <p:tgtEl>
-                                          <p:spTgt spid="10">
-                                            <p:txEl>
-                                              <p:pRg st="1" end="1"/>
-                                            </p:txEl>
-                                          </p:spTgt>
+                                          <p:spTgt spid="15"/>
                                         </p:tgtEl>
                                       </p:cBhvr>
                                     </p:animEffect>
@@ -12599,112 +12438,6 @@
                                           </p:stCondLst>
                                         </p:cTn>
                                         <p:tgtEl>
-                                          <p:spTgt spid="8"/>
-                                        </p:tgtEl>
-                                        <p:attrNameLst>
-                                          <p:attrName>style.visibility</p:attrName>
-                                        </p:attrNameLst>
-                                      </p:cBhvr>
-                                      <p:to>
-                                        <p:strVal val="visible"/>
-                                      </p:to>
-                                    </p:set>
-                                    <p:animEffect transition="in" filter="fade">
-                                      <p:cBhvr>
-                                        <p:cTn id="67" dur="500"/>
-                                        <p:tgtEl>
-                                          <p:spTgt spid="8"/>
-                                        </p:tgtEl>
-                                      </p:cBhvr>
-                                    </p:animEffect>
-                                  </p:childTnLst>
-                                </p:cTn>
-                              </p:par>
-                            </p:childTnLst>
-                          </p:cTn>
-                        </p:par>
-                      </p:childTnLst>
-                    </p:cTn>
-                  </p:par>
-                  <p:par>
-                    <p:cTn id="68" fill="hold">
-                      <p:stCondLst>
-                        <p:cond delay="indefinite"/>
-                      </p:stCondLst>
-                      <p:childTnLst>
-                        <p:par>
-                          <p:cTn id="69" fill="hold">
-                            <p:stCondLst>
-                              <p:cond delay="0"/>
-                            </p:stCondLst>
-                            <p:childTnLst>
-                              <p:par>
-                                <p:cTn id="70" presetID="10" presetClass="entr" presetSubtype="0" fill="hold" grpId="0" nodeType="clickEffect">
-                                  <p:stCondLst>
-                                    <p:cond delay="0"/>
-                                  </p:stCondLst>
-                                  <p:childTnLst>
-                                    <p:set>
-                                      <p:cBhvr>
-                                        <p:cTn id="71" dur="1" fill="hold">
-                                          <p:stCondLst>
-                                            <p:cond delay="0"/>
-                                          </p:stCondLst>
-                                        </p:cTn>
-                                        <p:tgtEl>
-                                          <p:spTgt spid="15"/>
-                                        </p:tgtEl>
-                                        <p:attrNameLst>
-                                          <p:attrName>style.visibility</p:attrName>
-                                        </p:attrNameLst>
-                                      </p:cBhvr>
-                                      <p:to>
-                                        <p:strVal val="visible"/>
-                                      </p:to>
-                                    </p:set>
-                                    <p:animEffect transition="in" filter="fade">
-                                      <p:cBhvr>
-                                        <p:cTn id="72" dur="500"/>
-                                        <p:tgtEl>
-                                          <p:spTgt spid="15"/>
-                                        </p:tgtEl>
-                                      </p:cBhvr>
-                                    </p:animEffect>
-                                  </p:childTnLst>
-                                </p:cTn>
-                              </p:par>
-                            </p:childTnLst>
-                          </p:cTn>
-                        </p:par>
-                      </p:childTnLst>
-                    </p:cTn>
-                  </p:par>
-                  <p:par>
-                    <p:cTn id="73" fill="hold">
-                      <p:stCondLst>
-                        <p:cond delay="indefinite"/>
-                      </p:stCondLst>
-                      <p:childTnLst>
-                        <p:par>
-                          <p:cTn id="74" fill="hold">
-                            <p:stCondLst>
-                              <p:cond delay="0"/>
-                            </p:stCondLst>
-                            <p:childTnLst>
-                              <p:par>
-                                <p:cTn id="75" presetID="10" presetClass="entr" presetSubtype="0" fill="hold" nodeType="clickEffect">
-                                  <p:stCondLst>
-                                    <p:cond delay="0"/>
-                                  </p:stCondLst>
-                                  <p:childTnLst>
-                                    <p:set>
-                                      <p:cBhvr>
-                                        <p:cTn id="76" dur="1" fill="hold">
-                                          <p:stCondLst>
-                                            <p:cond delay="0"/>
-                                          </p:stCondLst>
-                                        </p:cTn>
-                                        <p:tgtEl>
                                           <p:spTgt spid="11">
                                             <p:txEl>
                                               <p:pRg st="0" end="0"/>
@@ -12721,72 +12454,11 @@
                                     </p:set>
                                     <p:animEffect transition="in" filter="fade">
                                       <p:cBhvr>
-                                        <p:cTn id="77" dur="500"/>
+                                        <p:cTn id="67" dur="500"/>
                                         <p:tgtEl>
                                           <p:spTgt spid="11">
                                             <p:txEl>
                                               <p:pRg st="0" end="0"/>
-                                            </p:txEl>
-                                          </p:spTgt>
-                                        </p:tgtEl>
-                                      </p:cBhvr>
-                                    </p:animEffect>
-                                  </p:childTnLst>
-                                </p:cTn>
-                              </p:par>
-                            </p:childTnLst>
-                          </p:cTn>
-                        </p:par>
-                      </p:childTnLst>
-                    </p:cTn>
-                  </p:par>
-                  <p:par>
-                    <p:cTn id="78" fill="hold">
-                      <p:stCondLst>
-                        <p:cond delay="indefinite"/>
-                      </p:stCondLst>
-                      <p:childTnLst>
-                        <p:par>
-                          <p:cTn id="79" fill="hold">
-                            <p:stCondLst>
-                              <p:cond delay="0"/>
-                            </p:stCondLst>
-                            <p:childTnLst>
-                              <p:par>
-                                <p:cTn id="80" presetID="10" presetClass="entr" presetSubtype="0" fill="hold" nodeType="clickEffect">
-                                  <p:stCondLst>
-                                    <p:cond delay="0"/>
-                                  </p:stCondLst>
-                                  <p:childTnLst>
-                                    <p:set>
-                                      <p:cBhvr>
-                                        <p:cTn id="81" dur="1" fill="hold">
-                                          <p:stCondLst>
-                                            <p:cond delay="0"/>
-                                          </p:stCondLst>
-                                        </p:cTn>
-                                        <p:tgtEl>
-                                          <p:spTgt spid="11">
-                                            <p:txEl>
-                                              <p:pRg st="1" end="1"/>
-                                            </p:txEl>
-                                          </p:spTgt>
-                                        </p:tgtEl>
-                                        <p:attrNameLst>
-                                          <p:attrName>style.visibility</p:attrName>
-                                        </p:attrNameLst>
-                                      </p:cBhvr>
-                                      <p:to>
-                                        <p:strVal val="visible"/>
-                                      </p:to>
-                                    </p:set>
-                                    <p:animEffect transition="in" filter="fade">
-                                      <p:cBhvr>
-                                        <p:cTn id="82" dur="500"/>
-                                        <p:tgtEl>
-                                          <p:spTgt spid="11">
-                                            <p:txEl>
-                                              <p:pRg st="1" end="1"/>
                                             </p:txEl>
                                           </p:spTgt>
                                         </p:tgtEl>
